--- a/Week3 Exercise solutions.pptx
+++ b/Week3 Exercise solutions.pptx
@@ -7768,7 +7768,9 @@
           </a:xfrm>
         </p:spPr>
         <p:txBody>
-          <a:bodyPr/>
+          <a:bodyPr>
+            <a:normAutofit lnSpcReduction="10000"/>
+          </a:bodyPr>
           <a:lstStyle/>
           <a:p>
             <a:r>
@@ -7785,7 +7787,25 @@
           <a:p>
             <a:r>
               <a:rPr lang="en-US" dirty="0"/>
-              <a:t>Lets’ answers this, the news channel focus is on breaking news , so when summary is presented to them </a:t>
+              <a:t>Mean pregnancy lengths for first and other babies are 38.601 and 38.523 resp.</a:t>
+            </a:r>
+          </a:p>
+          <a:p>
+            <a:r>
+              <a:rPr lang="en-US" dirty="0"/>
+              <a:t>Lets’ answers this, the news channel focus is on breaking news , so when summary is presented, I would use mean to differentiate between pregnancy lengths of first babies and others. This term is easy to understand to common public and when compared with each we can tell them the first babies pregnancy length is bigger than other babies (even it is of few hours but to just for news purpose), So first babies do arrive late than other babies.</a:t>
+            </a:r>
+          </a:p>
+          <a:p>
+            <a:r>
+              <a:rPr lang="en-US" dirty="0"/>
+              <a:t>Second part is to reassure anxious patient. </a:t>
+            </a:r>
+          </a:p>
+          <a:p>
+            <a:r>
+              <a:rPr lang="en-US" dirty="0"/>
+              <a:t>In this case that anxious patient must be pregnant woman, so we can use the mean as summary stat and show the difference is very negligible, it is of few hours, actual it is of 13 hours so does not make any big difference so first babies do take same pregnancy length as other babies.</a:t>
             </a:r>
           </a:p>
         </p:txBody>
